--- a/sliders/hiring_details/utah-recruit-poster.pptx
+++ b/sliders/hiring_details/utah-recruit-poster.pptx
@@ -243,7 +243,7 @@
           <a:p>
             <a:fld id="{6C5EA7B8-3A6B-45AF-B269-CB28530DD423}" type="datetimeFigureOut">
               <a:rPr lang="zh-TW" altLang="en-US" smtClean="0"/>
-              <a:t>2019/3/6</a:t>
+              <a:t>2019/3/7</a:t>
             </a:fld>
             <a:endParaRPr lang="zh-TW" altLang="en-US"/>
           </a:p>
@@ -413,7 +413,7 @@
           <a:p>
             <a:fld id="{6C5EA7B8-3A6B-45AF-B269-CB28530DD423}" type="datetimeFigureOut">
               <a:rPr lang="zh-TW" altLang="en-US" smtClean="0"/>
-              <a:t>2019/3/6</a:t>
+              <a:t>2019/3/7</a:t>
             </a:fld>
             <a:endParaRPr lang="zh-TW" altLang="en-US"/>
           </a:p>
@@ -593,7 +593,7 @@
           <a:p>
             <a:fld id="{6C5EA7B8-3A6B-45AF-B269-CB28530DD423}" type="datetimeFigureOut">
               <a:rPr lang="zh-TW" altLang="en-US" smtClean="0"/>
-              <a:t>2019/3/6</a:t>
+              <a:t>2019/3/7</a:t>
             </a:fld>
             <a:endParaRPr lang="zh-TW" altLang="en-US"/>
           </a:p>
@@ -763,7 +763,7 @@
           <a:p>
             <a:fld id="{6C5EA7B8-3A6B-45AF-B269-CB28530DD423}" type="datetimeFigureOut">
               <a:rPr lang="zh-TW" altLang="en-US" smtClean="0"/>
-              <a:t>2019/3/6</a:t>
+              <a:t>2019/3/7</a:t>
             </a:fld>
             <a:endParaRPr lang="zh-TW" altLang="en-US"/>
           </a:p>
@@ -1063,7 +1063,7 @@
           <a:p>
             <a:fld id="{6C5EA7B8-3A6B-45AF-B269-CB28530DD423}" type="datetimeFigureOut">
               <a:rPr lang="zh-TW" altLang="en-US" smtClean="0"/>
-              <a:t>2019/3/6</a:t>
+              <a:t>2019/3/7</a:t>
             </a:fld>
             <a:endParaRPr lang="zh-TW" altLang="en-US"/>
           </a:p>
@@ -1295,7 +1295,7 @@
           <a:p>
             <a:fld id="{6C5EA7B8-3A6B-45AF-B269-CB28530DD423}" type="datetimeFigureOut">
               <a:rPr lang="zh-TW" altLang="en-US" smtClean="0"/>
-              <a:t>2019/3/6</a:t>
+              <a:t>2019/3/7</a:t>
             </a:fld>
             <a:endParaRPr lang="zh-TW" altLang="en-US"/>
           </a:p>
@@ -1662,7 +1662,7 @@
           <a:p>
             <a:fld id="{6C5EA7B8-3A6B-45AF-B269-CB28530DD423}" type="datetimeFigureOut">
               <a:rPr lang="zh-TW" altLang="en-US" smtClean="0"/>
-              <a:t>2019/3/6</a:t>
+              <a:t>2019/3/7</a:t>
             </a:fld>
             <a:endParaRPr lang="zh-TW" altLang="en-US"/>
           </a:p>
@@ -1780,7 +1780,7 @@
           <a:p>
             <a:fld id="{6C5EA7B8-3A6B-45AF-B269-CB28530DD423}" type="datetimeFigureOut">
               <a:rPr lang="zh-TW" altLang="en-US" smtClean="0"/>
-              <a:t>2019/3/6</a:t>
+              <a:t>2019/3/7</a:t>
             </a:fld>
             <a:endParaRPr lang="zh-TW" altLang="en-US"/>
           </a:p>
@@ -1875,7 +1875,7 @@
           <a:p>
             <a:fld id="{6C5EA7B8-3A6B-45AF-B269-CB28530DD423}" type="datetimeFigureOut">
               <a:rPr lang="zh-TW" altLang="en-US" smtClean="0"/>
-              <a:t>2019/3/6</a:t>
+              <a:t>2019/3/7</a:t>
             </a:fld>
             <a:endParaRPr lang="zh-TW" altLang="en-US"/>
           </a:p>
@@ -2152,7 +2152,7 @@
           <a:p>
             <a:fld id="{6C5EA7B8-3A6B-45AF-B269-CB28530DD423}" type="datetimeFigureOut">
               <a:rPr lang="zh-TW" altLang="en-US" smtClean="0"/>
-              <a:t>2019/3/6</a:t>
+              <a:t>2019/3/7</a:t>
             </a:fld>
             <a:endParaRPr lang="zh-TW" altLang="en-US"/>
           </a:p>
@@ -2409,7 +2409,7 @@
           <a:p>
             <a:fld id="{6C5EA7B8-3A6B-45AF-B269-CB28530DD423}" type="datetimeFigureOut">
               <a:rPr lang="zh-TW" altLang="en-US" smtClean="0"/>
-              <a:t>2019/3/6</a:t>
+              <a:t>2019/3/7</a:t>
             </a:fld>
             <a:endParaRPr lang="zh-TW" altLang="en-US"/>
           </a:p>
@@ -2622,7 +2622,7 @@
           <a:p>
             <a:fld id="{6C5EA7B8-3A6B-45AF-B269-CB28530DD423}" type="datetimeFigureOut">
               <a:rPr lang="zh-TW" altLang="en-US" smtClean="0"/>
-              <a:t>2019/3/6</a:t>
+              <a:t>2019/3/7</a:t>
             </a:fld>
             <a:endParaRPr lang="zh-TW" altLang="en-US"/>
           </a:p>
@@ -3205,7 +3205,7 @@
             </a:pPr>
             <a:r>
               <a:rPr lang="en-US" altLang="zh-TW" sz="1400" dirty="0"/>
-              <a:t>Dr. Tsung-Wei Huang received his PhD from the Department of ECE at the University of Illinois at Urbana-Champaign (UIUC). He was a Research Assistant Professor at the ECE Department and CSL at UIUC. He has published more than 40 papers and patents, and created many successful open-source research projects that are widely used in both academic and industrial tools.</a:t>
+              <a:t>Dr. Tsung-Wei Huang received his PhD from the Department of ECE at the University of Illinois at Urbana-Champaign (UIUC). He was a Research Assistant Professor in the ECE Department and CSL at UIUC. He has published more than 40 papers and patents, and created many successful open-source research projects that are widely used in both academic and industrial tools.</a:t>
             </a:r>
             <a:endParaRPr lang="zh-TW" altLang="en-US" sz="1400" u="sng" dirty="0"/>
           </a:p>

--- a/sliders/hiring_details/utah-recruit-poster.pptx
+++ b/sliders/hiring_details/utah-recruit-poster.pptx
@@ -3313,8 +3313,8 @@
         </p:nvSpPr>
         <p:spPr>
           <a:xfrm>
-            <a:off x="1793181" y="291516"/>
-            <a:ext cx="4511042" cy="738664"/>
+            <a:off x="1793181" y="150837"/>
+            <a:ext cx="4511043" cy="1015663"/>
           </a:xfrm>
           <a:prstGeom prst="rect">
             <a:avLst/>
@@ -3359,7 +3359,70 @@
                   </a:outerShdw>
                 </a:effectLst>
               </a:rPr>
-              <a:t>in Department of ECE/CS</a:t>
+              <a:t>Department of ECE/CS</a:t>
+            </a:r>
+          </a:p>
+          <a:p>
+            <a:pPr algn="ctr"/>
+            <a:r>
+              <a:rPr lang="en-US" altLang="zh-TW" b="1">
+                <a:solidFill>
+                  <a:schemeClr val="bg1"/>
+                </a:solidFill>
+                <a:effectLst>
+                  <a:outerShdw blurRad="38100" dist="38100" dir="2700000" algn="tl">
+                    <a:srgbClr val="000000">
+                      <a:alpha val="43137"/>
+                    </a:srgbClr>
+                  </a:outerShdw>
+                </a:effectLst>
+              </a:rPr>
+              <a:t>https</a:t>
+            </a:r>
+            <a:r>
+              <a:rPr lang="en-US" altLang="zh-TW" b="1" dirty="0">
+                <a:solidFill>
+                  <a:schemeClr val="bg1"/>
+                </a:solidFill>
+                <a:effectLst>
+                  <a:outerShdw blurRad="38100" dist="38100" dir="2700000" algn="tl">
+                    <a:srgbClr val="000000">
+                      <a:alpha val="43137"/>
+                    </a:srgbClr>
+                  </a:outerShdw>
+                </a:effectLst>
+              </a:rPr>
+              <a:t>://</a:t>
+            </a:r>
+            <a:r>
+              <a:rPr lang="en-US" altLang="zh-TW" b="1" dirty="0" err="1">
+                <a:solidFill>
+                  <a:schemeClr val="bg1"/>
+                </a:solidFill>
+                <a:effectLst>
+                  <a:outerShdw blurRad="38100" dist="38100" dir="2700000" algn="tl">
+                    <a:srgbClr val="000000">
+                      <a:alpha val="43137"/>
+                    </a:srgbClr>
+                  </a:outerShdw>
+                </a:effectLst>
+              </a:rPr>
+              <a:t>tsung-wei-huang.github.io</a:t>
+            </a:r>
+            <a:r>
+              <a:rPr lang="en-US" altLang="zh-TW" b="1" dirty="0">
+                <a:solidFill>
+                  <a:schemeClr val="bg1"/>
+                </a:solidFill>
+                <a:effectLst>
+                  <a:outerShdw blurRad="38100" dist="38100" dir="2700000" algn="tl">
+                    <a:srgbClr val="000000">
+                      <a:alpha val="43137"/>
+                    </a:srgbClr>
+                  </a:outerShdw>
+                </a:effectLst>
+              </a:rPr>
+              <a:t>/</a:t>
             </a:r>
           </a:p>
         </p:txBody>
